--- a/IETF-111/Materials/SideMeetingModerator.pptx
+++ b/IETF-111/Materials/SideMeetingModerator.pptx
@@ -267,7 +267,7 @@
           <a:p>
             <a:fld id="{5CCCF42A-2A1B-4126-ACBE-7F3E4422D5B7}" type="datetimeFigureOut">
               <a:rPr lang="en-GB" smtClean="0"/>
-              <a:t>21/07/2021</a:t>
+              <a:t>26/07/2021</a:t>
             </a:fld>
             <a:endParaRPr lang="en-GB"/>
           </a:p>
@@ -467,7 +467,7 @@
           <a:p>
             <a:fld id="{5CCCF42A-2A1B-4126-ACBE-7F3E4422D5B7}" type="datetimeFigureOut">
               <a:rPr lang="en-GB" smtClean="0"/>
-              <a:t>21/07/2021</a:t>
+              <a:t>26/07/2021</a:t>
             </a:fld>
             <a:endParaRPr lang="en-GB"/>
           </a:p>
@@ -677,7 +677,7 @@
           <a:p>
             <a:fld id="{5CCCF42A-2A1B-4126-ACBE-7F3E4422D5B7}" type="datetimeFigureOut">
               <a:rPr lang="en-GB" smtClean="0"/>
-              <a:t>21/07/2021</a:t>
+              <a:t>26/07/2021</a:t>
             </a:fld>
             <a:endParaRPr lang="en-GB"/>
           </a:p>
@@ -877,7 +877,7 @@
           <a:p>
             <a:fld id="{5CCCF42A-2A1B-4126-ACBE-7F3E4422D5B7}" type="datetimeFigureOut">
               <a:rPr lang="en-GB" smtClean="0"/>
-              <a:t>21/07/2021</a:t>
+              <a:t>26/07/2021</a:t>
             </a:fld>
             <a:endParaRPr lang="en-GB"/>
           </a:p>
@@ -1153,7 +1153,7 @@
           <a:p>
             <a:fld id="{5CCCF42A-2A1B-4126-ACBE-7F3E4422D5B7}" type="datetimeFigureOut">
               <a:rPr lang="en-GB" smtClean="0"/>
-              <a:t>21/07/2021</a:t>
+              <a:t>26/07/2021</a:t>
             </a:fld>
             <a:endParaRPr lang="en-GB"/>
           </a:p>
@@ -1421,7 +1421,7 @@
           <a:p>
             <a:fld id="{5CCCF42A-2A1B-4126-ACBE-7F3E4422D5B7}" type="datetimeFigureOut">
               <a:rPr lang="en-GB" smtClean="0"/>
-              <a:t>21/07/2021</a:t>
+              <a:t>26/07/2021</a:t>
             </a:fld>
             <a:endParaRPr lang="en-GB"/>
           </a:p>
@@ -1836,7 +1836,7 @@
           <a:p>
             <a:fld id="{5CCCF42A-2A1B-4126-ACBE-7F3E4422D5B7}" type="datetimeFigureOut">
               <a:rPr lang="en-GB" smtClean="0"/>
-              <a:t>21/07/2021</a:t>
+              <a:t>26/07/2021</a:t>
             </a:fld>
             <a:endParaRPr lang="en-GB"/>
           </a:p>
@@ -1978,7 +1978,7 @@
           <a:p>
             <a:fld id="{5CCCF42A-2A1B-4126-ACBE-7F3E4422D5B7}" type="datetimeFigureOut">
               <a:rPr lang="en-GB" smtClean="0"/>
-              <a:t>21/07/2021</a:t>
+              <a:t>26/07/2021</a:t>
             </a:fld>
             <a:endParaRPr lang="en-GB"/>
           </a:p>
@@ -2091,7 +2091,7 @@
           <a:p>
             <a:fld id="{5CCCF42A-2A1B-4126-ACBE-7F3E4422D5B7}" type="datetimeFigureOut">
               <a:rPr lang="en-GB" smtClean="0"/>
-              <a:t>21/07/2021</a:t>
+              <a:t>26/07/2021</a:t>
             </a:fld>
             <a:endParaRPr lang="en-GB"/>
           </a:p>
@@ -2404,7 +2404,7 @@
           <a:p>
             <a:fld id="{5CCCF42A-2A1B-4126-ACBE-7F3E4422D5B7}" type="datetimeFigureOut">
               <a:rPr lang="en-GB" smtClean="0"/>
-              <a:t>21/07/2021</a:t>
+              <a:t>26/07/2021</a:t>
             </a:fld>
             <a:endParaRPr lang="en-GB"/>
           </a:p>
@@ -2693,7 +2693,7 @@
           <a:p>
             <a:fld id="{5CCCF42A-2A1B-4126-ACBE-7F3E4422D5B7}" type="datetimeFigureOut">
               <a:rPr lang="en-GB" smtClean="0"/>
-              <a:t>21/07/2021</a:t>
+              <a:t>26/07/2021</a:t>
             </a:fld>
             <a:endParaRPr lang="en-GB"/>
           </a:p>
@@ -2936,7 +2936,7 @@
           <a:p>
             <a:fld id="{5CCCF42A-2A1B-4126-ACBE-7F3E4422D5B7}" type="datetimeFigureOut">
               <a:rPr lang="en-GB" smtClean="0"/>
-              <a:t>21/07/2021</a:t>
+              <a:t>26/07/2021</a:t>
             </a:fld>
             <a:endParaRPr lang="en-GB"/>
           </a:p>
@@ -4611,8 +4611,17 @@
               <a:buAutoNum type="arabicPeriod"/>
             </a:pPr>
             <a:r>
+              <a:rPr lang="en-GB" dirty="0">
+                <a:effectLst/>
+                <a:latin typeface="Calibri" panose="020F0502020204030204" pitchFamily="34" charset="0"/>
+                <a:ea typeface="Calibri" panose="020F0502020204030204" pitchFamily="34" charset="0"/>
+                <a:cs typeface="Times New Roman" panose="02020603050405020304" pitchFamily="18" charset="0"/>
+              </a:rPr>
+              <a:t>Algebraic Analysis and Design of Vectoring Protocols</a:t>
+            </a:r>
+            <a:r>
               <a:rPr lang="en-GB" dirty="0"/>
-              <a:t>Routing on Multiple Optimality Criteria (20 minutes)</a:t>
+              <a:t> (20 minutes)</a:t>
             </a:r>
           </a:p>
           <a:p>

--- a/IETF-111/Materials/SideMeetingModerator.pptx
+++ b/IETF-111/Materials/SideMeetingModerator.pptx
@@ -267,7 +267,7 @@
           <a:p>
             <a:fld id="{5CCCF42A-2A1B-4126-ACBE-7F3E4422D5B7}" type="datetimeFigureOut">
               <a:rPr lang="en-GB" smtClean="0"/>
-              <a:t>26/07/2021</a:t>
+              <a:t>27/07/2021</a:t>
             </a:fld>
             <a:endParaRPr lang="en-GB"/>
           </a:p>
@@ -467,7 +467,7 @@
           <a:p>
             <a:fld id="{5CCCF42A-2A1B-4126-ACBE-7F3E4422D5B7}" type="datetimeFigureOut">
               <a:rPr lang="en-GB" smtClean="0"/>
-              <a:t>26/07/2021</a:t>
+              <a:t>27/07/2021</a:t>
             </a:fld>
             <a:endParaRPr lang="en-GB"/>
           </a:p>
@@ -677,7 +677,7 @@
           <a:p>
             <a:fld id="{5CCCF42A-2A1B-4126-ACBE-7F3E4422D5B7}" type="datetimeFigureOut">
               <a:rPr lang="en-GB" smtClean="0"/>
-              <a:t>26/07/2021</a:t>
+              <a:t>27/07/2021</a:t>
             </a:fld>
             <a:endParaRPr lang="en-GB"/>
           </a:p>
@@ -877,7 +877,7 @@
           <a:p>
             <a:fld id="{5CCCF42A-2A1B-4126-ACBE-7F3E4422D5B7}" type="datetimeFigureOut">
               <a:rPr lang="en-GB" smtClean="0"/>
-              <a:t>26/07/2021</a:t>
+              <a:t>27/07/2021</a:t>
             </a:fld>
             <a:endParaRPr lang="en-GB"/>
           </a:p>
@@ -1153,7 +1153,7 @@
           <a:p>
             <a:fld id="{5CCCF42A-2A1B-4126-ACBE-7F3E4422D5B7}" type="datetimeFigureOut">
               <a:rPr lang="en-GB" smtClean="0"/>
-              <a:t>26/07/2021</a:t>
+              <a:t>27/07/2021</a:t>
             </a:fld>
             <a:endParaRPr lang="en-GB"/>
           </a:p>
@@ -1421,7 +1421,7 @@
           <a:p>
             <a:fld id="{5CCCF42A-2A1B-4126-ACBE-7F3E4422D5B7}" type="datetimeFigureOut">
               <a:rPr lang="en-GB" smtClean="0"/>
-              <a:t>26/07/2021</a:t>
+              <a:t>27/07/2021</a:t>
             </a:fld>
             <a:endParaRPr lang="en-GB"/>
           </a:p>
@@ -1836,7 +1836,7 @@
           <a:p>
             <a:fld id="{5CCCF42A-2A1B-4126-ACBE-7F3E4422D5B7}" type="datetimeFigureOut">
               <a:rPr lang="en-GB" smtClean="0"/>
-              <a:t>26/07/2021</a:t>
+              <a:t>27/07/2021</a:t>
             </a:fld>
             <a:endParaRPr lang="en-GB"/>
           </a:p>
@@ -1978,7 +1978,7 @@
           <a:p>
             <a:fld id="{5CCCF42A-2A1B-4126-ACBE-7F3E4422D5B7}" type="datetimeFigureOut">
               <a:rPr lang="en-GB" smtClean="0"/>
-              <a:t>26/07/2021</a:t>
+              <a:t>27/07/2021</a:t>
             </a:fld>
             <a:endParaRPr lang="en-GB"/>
           </a:p>
@@ -2091,7 +2091,7 @@
           <a:p>
             <a:fld id="{5CCCF42A-2A1B-4126-ACBE-7F3E4422D5B7}" type="datetimeFigureOut">
               <a:rPr lang="en-GB" smtClean="0"/>
-              <a:t>26/07/2021</a:t>
+              <a:t>27/07/2021</a:t>
             </a:fld>
             <a:endParaRPr lang="en-GB"/>
           </a:p>
@@ -2404,7 +2404,7 @@
           <a:p>
             <a:fld id="{5CCCF42A-2A1B-4126-ACBE-7F3E4422D5B7}" type="datetimeFigureOut">
               <a:rPr lang="en-GB" smtClean="0"/>
-              <a:t>26/07/2021</a:t>
+              <a:t>27/07/2021</a:t>
             </a:fld>
             <a:endParaRPr lang="en-GB"/>
           </a:p>
@@ -2693,7 +2693,7 @@
           <a:p>
             <a:fld id="{5CCCF42A-2A1B-4126-ACBE-7F3E4422D5B7}" type="datetimeFigureOut">
               <a:rPr lang="en-GB" smtClean="0"/>
-              <a:t>26/07/2021</a:t>
+              <a:t>27/07/2021</a:t>
             </a:fld>
             <a:endParaRPr lang="en-GB"/>
           </a:p>
@@ -2936,7 +2936,7 @@
           <a:p>
             <a:fld id="{5CCCF42A-2A1B-4126-ACBE-7F3E4422D5B7}" type="datetimeFigureOut">
               <a:rPr lang="en-GB" smtClean="0"/>
-              <a:t>26/07/2021</a:t>
+              <a:t>27/07/2021</a:t>
             </a:fld>
             <a:endParaRPr lang="en-GB"/>
           </a:p>
@@ -3616,8 +3616,8 @@
         </p:nvSpPr>
         <p:spPr>
           <a:xfrm>
-            <a:off x="429031" y="1053075"/>
-            <a:ext cx="10924769" cy="5308722"/>
+            <a:off x="429031" y="853728"/>
+            <a:ext cx="10924769" cy="5508069"/>
           </a:xfrm>
         </p:spPr>
         <p:txBody>
@@ -3932,6 +3932,39 @@
                 <a:effectLst/>
               </a:rPr>
               <a:t>(Privacy Policy)</a:t>
+            </a:r>
+          </a:p>
+          <a:p>
+            <a:pPr marL="0" indent="0" algn="l">
+              <a:buNone/>
+            </a:pPr>
+            <a:r>
+              <a:rPr lang="en-GB" b="0" i="0" dirty="0">
+                <a:solidFill>
+                  <a:srgbClr val="222222"/>
+                </a:solidFill>
+                <a:effectLst/>
+              </a:rPr>
+              <a:t>More information at </a:t>
+            </a:r>
+            <a:r>
+              <a:rPr lang="en-GB" b="0" i="0" dirty="0">
+                <a:solidFill>
+                  <a:srgbClr val="222222"/>
+                </a:solidFill>
+                <a:effectLst/>
+                <a:hlinkClick r:id="rId9"/>
+              </a:rPr>
+              <a:t>https://www.ietf.org/about/note-well/</a:t>
+            </a:r>
+            <a:r>
+              <a:rPr lang="en-GB" b="0" i="0" dirty="0">
+                <a:solidFill>
+                  <a:srgbClr val="222222"/>
+                </a:solidFill>
+                <a:effectLst/>
+              </a:rPr>
+              <a:t> </a:t>
             </a:r>
           </a:p>
         </p:txBody>
@@ -3951,7 +3984,7 @@
           <p:nvPr/>
         </p:nvPicPr>
         <p:blipFill>
-          <a:blip r:embed="rId9">
+          <a:blip r:embed="rId10">
             <a:extLst>
               <a:ext uri="{28A0092B-C50C-407E-A947-70E740481C1C}">
                 <a14:useLocalDpi xmlns:a14="http://schemas.microsoft.com/office/drawing/2010/main" val="0"/>
@@ -4113,21 +4146,67 @@
           <a:p>
             <a:r>
               <a:rPr lang="en-GB" dirty="0"/>
-              <a:t>Live stream</a:t>
+              <a:t>Interaction</a:t>
             </a:r>
           </a:p>
           <a:p>
             <a:pPr lvl="1"/>
             <a:r>
-              <a:rPr lang="en-US" u="sng" dirty="0">
-                <a:solidFill>
-                  <a:srgbClr val="1F497D"/>
+              <a:rPr lang="en-GB" dirty="0"/>
+              <a:t>Questions – Raise your hand in </a:t>
+            </a:r>
+            <a:r>
+              <a:rPr lang="en-GB" dirty="0" err="1"/>
+              <a:t>Webex</a:t>
+            </a:r>
+            <a:r>
+              <a:rPr lang="en-GB" dirty="0"/>
+              <a:t>, I will call on you to speak</a:t>
+            </a:r>
+          </a:p>
+          <a:p>
+            <a:pPr lvl="1"/>
+            <a:r>
+              <a:rPr lang="en-GB" dirty="0"/>
+              <a:t>Follow-up discussion – SARAH mailing list</a:t>
+            </a:r>
+          </a:p>
+          <a:p>
+            <a:pPr marL="914400" lvl="2" indent="0">
+              <a:buNone/>
+            </a:pPr>
+            <a:r>
+              <a:rPr lang="en-GB" sz="2300" u="sng" dirty="0">
+                <a:solidFill>
+                  <a:srgbClr val="0563C1"/>
                 </a:solidFill>
                 <a:effectLst/>
                 <a:latin typeface="Calibri" panose="020F0502020204030204" pitchFamily="34" charset="0"/>
                 <a:ea typeface="Calibri" panose="020F0502020204030204" pitchFamily="34" charset="0"/>
                 <a:hlinkClick r:id="rId4"/>
               </a:rPr>
+              <a:t>https://www.jiscmail.ac.uk/cgi-bin/webadmin?SUBED1=SARAH&amp;A=1</a:t>
+            </a:r>
+            <a:endParaRPr lang="en-GB" dirty="0"/>
+          </a:p>
+          <a:p>
+            <a:r>
+              <a:rPr lang="en-GB" dirty="0"/>
+              <a:t>Live stream</a:t>
+            </a:r>
+          </a:p>
+          <a:p>
+            <a:pPr lvl="1"/>
+            <a:r>
+              <a:rPr lang="en-US" u="sng" dirty="0">
+                <a:solidFill>
+                  <a:srgbClr val="1F497D"/>
+                </a:solidFill>
+                <a:effectLst/>
+                <a:latin typeface="Calibri" panose="020F0502020204030204" pitchFamily="34" charset="0"/>
+                <a:ea typeface="Calibri" panose="020F0502020204030204" pitchFamily="34" charset="0"/>
+                <a:hlinkClick r:id="rId5"/>
+              </a:rPr>
               <a:t>https://youtu.be/xMoaj4w3R6k</a:t>
             </a:r>
             <a:endParaRPr lang="en-GB" dirty="0"/>
@@ -4140,25 +4219,6 @@
             <a:r>
               <a:rPr lang="en-GB" dirty="0"/>
               <a:t> (notes, comments)</a:t>
-            </a:r>
-          </a:p>
-          <a:p>
-            <a:pPr lvl="1"/>
-            <a:r>
-              <a:rPr lang="en-GB" dirty="0">
-                <a:hlinkClick r:id="rId5"/>
-              </a:rPr>
-              <a:t>https://etherpad.wikimedia.org/p/routing-research-revitalizing-Internet-28-07-21</a:t>
-            </a:r>
-            <a:r>
-              <a:rPr lang="en-GB" dirty="0"/>
-              <a:t> </a:t>
-            </a:r>
-          </a:p>
-          <a:p>
-            <a:r>
-              <a:rPr lang="en-GB" dirty="0"/>
-              <a:t>Materials</a:t>
             </a:r>
           </a:p>
           <a:p>
@@ -4167,7 +4227,7 @@
               <a:rPr lang="en-GB" dirty="0">
                 <a:hlinkClick r:id="rId6"/>
               </a:rPr>
-              <a:t>https://github.com/danielkinguk/sarah/tree/main/IETF-111/Materials</a:t>
+              <a:t>https://etherpad.wikimedia.org/p/routing-research-revitalizing-Internet-28-07-21</a:t>
             </a:r>
             <a:r>
               <a:rPr lang="en-GB" dirty="0"/>
@@ -4177,48 +4237,21 @@
           <a:p>
             <a:r>
               <a:rPr lang="en-GB" dirty="0"/>
-              <a:t>Interaction</a:t>
+              <a:t>Materials</a:t>
             </a:r>
           </a:p>
           <a:p>
             <a:pPr lvl="1"/>
             <a:r>
-              <a:rPr lang="en-GB" dirty="0"/>
-              <a:t>Questions – Raise your hand in </a:t>
-            </a:r>
-            <a:r>
-              <a:rPr lang="en-GB" dirty="0" err="1"/>
-              <a:t>Webex</a:t>
-            </a:r>
-            <a:r>
-              <a:rPr lang="en-GB" dirty="0"/>
-              <a:t>, I will call on you to speak</a:t>
-            </a:r>
-          </a:p>
-          <a:p>
-            <a:pPr lvl="1"/>
-            <a:r>
-              <a:rPr lang="en-GB" dirty="0"/>
-              <a:t>Follow-up discussion – SARAH mailing list</a:t>
-            </a:r>
-          </a:p>
-          <a:p>
-            <a:pPr marL="914400" lvl="2" indent="0">
-              <a:buNone/>
-            </a:pPr>
-            <a:r>
-              <a:rPr lang="en-GB" sz="2300" u="sng" dirty="0">
-                <a:solidFill>
-                  <a:srgbClr val="0563C1"/>
-                </a:solidFill>
-                <a:effectLst/>
-                <a:latin typeface="Calibri" panose="020F0502020204030204" pitchFamily="34" charset="0"/>
-                <a:ea typeface="Calibri" panose="020F0502020204030204" pitchFamily="34" charset="0"/>
+              <a:rPr lang="en-GB" dirty="0">
                 <a:hlinkClick r:id="rId7"/>
               </a:rPr>
-              <a:t>https://www.jiscmail.ac.uk/cgi-bin/webadmin?SUBED1=SARAH&amp;A=1</a:t>
-            </a:r>
-            <a:endParaRPr lang="en-GB" sz="2600" dirty="0"/>
+              <a:t>https://github.com/danielkinguk/sarah/tree/main/IETF-111/Materials</a:t>
+            </a:r>
+            <a:r>
+              <a:rPr lang="en-GB" dirty="0"/>
+              <a:t> </a:t>
+            </a:r>
           </a:p>
         </p:txBody>
       </p:sp>

--- a/IETF-111/Materials/SideMeetingModerator.pptx
+++ b/IETF-111/Materials/SideMeetingModerator.pptx
@@ -9,9 +9,10 @@
     <p:sldId id="258" r:id="rId3"/>
     <p:sldId id="259" r:id="rId4"/>
     <p:sldId id="263" r:id="rId5"/>
-    <p:sldId id="260" r:id="rId6"/>
-    <p:sldId id="261" r:id="rId7"/>
-    <p:sldId id="262" r:id="rId8"/>
+    <p:sldId id="264" r:id="rId6"/>
+    <p:sldId id="260" r:id="rId7"/>
+    <p:sldId id="261" r:id="rId8"/>
+    <p:sldId id="262" r:id="rId9"/>
   </p:sldIdLst>
   <p:sldSz cx="12192000" cy="6858000"/>
   <p:notesSz cx="6858000" cy="9144000"/>
@@ -4329,12 +4330,51 @@
             <p:ph idx="1"/>
           </p:nvPr>
         </p:nvSpPr>
-        <p:spPr/>
+        <p:spPr>
+          <a:xfrm>
+            <a:off x="838200" y="1456106"/>
+            <a:ext cx="10515600" cy="5105039"/>
+          </a:xfrm>
+        </p:spPr>
         <p:txBody>
           <a:bodyPr>
-            <a:normAutofit fontScale="92500" lnSpcReduction="20000"/>
+            <a:normAutofit fontScale="77500" lnSpcReduction="20000"/>
           </a:bodyPr>
           <a:lstStyle/>
+          <a:p>
+            <a:r>
+              <a:rPr lang="en-GB" dirty="0"/>
+              <a:t>The organisers have a specific focus</a:t>
+            </a:r>
+          </a:p>
+          <a:p>
+            <a:pPr lvl="1"/>
+            <a:r>
+              <a:rPr lang="en-GB" dirty="0"/>
+              <a:t>Semantic Routing and Addressing</a:t>
+            </a:r>
+          </a:p>
+          <a:p>
+            <a:pPr lvl="2"/>
+            <a:r>
+              <a:rPr lang="en-GB" dirty="0"/>
+              <a:t>The application of additional meaning to IP addresses </a:t>
+            </a:r>
+          </a:p>
+          <a:p>
+            <a:pPr lvl="2"/>
+            <a:r>
+              <a:rPr lang="en-GB" dirty="0"/>
+              <a:t>Routing on additional fields in IP packets</a:t>
+            </a:r>
+          </a:p>
+          <a:p>
+            <a:pPr lvl="1"/>
+            <a:r>
+              <a:rPr lang="en-GB" dirty="0"/>
+              <a:t>We hope this meeting will help expose some general points that we can apply to our work</a:t>
+            </a:r>
+          </a:p>
           <a:p>
             <a:r>
               <a:rPr lang="en-GB" dirty="0"/>
@@ -4489,6 +4529,130 @@
           <p:cNvPr id="2" name="Title 1">
             <a:extLst>
               <a:ext uri="{FF2B5EF4-FFF2-40B4-BE49-F238E27FC236}">
+                <a16:creationId xmlns:a16="http://schemas.microsoft.com/office/drawing/2014/main" id="{33203F98-92F5-4364-8DAB-3410AE2205DF}"/>
+              </a:ext>
+            </a:extLst>
+          </p:cNvPr>
+          <p:cNvSpPr>
+            <a:spLocks noGrp="1"/>
+          </p:cNvSpPr>
+          <p:nvPr>
+            <p:ph type="title"/>
+          </p:nvPr>
+        </p:nvSpPr>
+        <p:spPr/>
+        <p:txBody>
+          <a:bodyPr/>
+          <a:lstStyle/>
+          <a:p>
+            <a:r>
+              <a:rPr lang="en-GB" dirty="0"/>
+              <a:t>Routing Research Concerns</a:t>
+            </a:r>
+          </a:p>
+        </p:txBody>
+      </p:sp>
+      <p:sp>
+        <p:nvSpPr>
+          <p:cNvPr id="3" name="Content Placeholder 2">
+            <a:extLst>
+              <a:ext uri="{FF2B5EF4-FFF2-40B4-BE49-F238E27FC236}">
+                <a16:creationId xmlns:a16="http://schemas.microsoft.com/office/drawing/2014/main" id="{8B32F73B-6542-489C-9A61-48F2B4FAD77B}"/>
+              </a:ext>
+            </a:extLst>
+          </p:cNvPr>
+          <p:cNvSpPr>
+            <a:spLocks noGrp="1"/>
+          </p:cNvSpPr>
+          <p:nvPr>
+            <p:ph idx="1"/>
+          </p:nvPr>
+        </p:nvSpPr>
+        <p:spPr/>
+        <p:txBody>
+          <a:bodyPr>
+            <a:normAutofit fontScale="92500" lnSpcReduction="10000"/>
+          </a:bodyPr>
+          <a:lstStyle/>
+          <a:p>
+            <a:r>
+              <a:rPr lang="en-GB" dirty="0"/>
+              <a:t>What are the benefits and drawbacks of applying new routing ideas to “limited domains”?</a:t>
+            </a:r>
+          </a:p>
+          <a:p>
+            <a:r>
+              <a:rPr lang="en-GB" dirty="0"/>
+              <a:t>What are the impacts of new routing proposals on the existing routing infrastructure?</a:t>
+            </a:r>
+          </a:p>
+          <a:p>
+            <a:r>
+              <a:rPr lang="en-GB" dirty="0"/>
+              <a:t>How can routing research be made independently verifiable and “reproducible”?</a:t>
+            </a:r>
+          </a:p>
+          <a:p>
+            <a:r>
+              <a:rPr lang="en-GB" dirty="0"/>
+              <a:t>How do you contrast an entirely new routing mechanism with modifications to existing tools? What is the cost-benefit?</a:t>
+            </a:r>
+          </a:p>
+          <a:p>
+            <a:r>
+              <a:rPr lang="en-GB" dirty="0"/>
+              <a:t>How well do different routing mechanisms scale and does it matter?</a:t>
+            </a:r>
+          </a:p>
+          <a:p>
+            <a:r>
+              <a:rPr lang="en-GB" dirty="0"/>
+              <a:t>Where should research be discussed, and what needs to be standardised?</a:t>
+            </a:r>
+          </a:p>
+          <a:p>
+            <a:r>
+              <a:rPr lang="en-GB" dirty="0"/>
+              <a:t>Should we make routing systems more secure, and how?</a:t>
+            </a:r>
+          </a:p>
+        </p:txBody>
+      </p:sp>
+    </p:spTree>
+    <p:extLst>
+      <p:ext uri="{BB962C8B-B14F-4D97-AF65-F5344CB8AC3E}">
+        <p14:creationId xmlns:p14="http://schemas.microsoft.com/office/powerpoint/2010/main" val="2456085757"/>
+      </p:ext>
+    </p:extLst>
+  </p:cSld>
+  <p:clrMapOvr>
+    <a:masterClrMapping/>
+  </p:clrMapOvr>
+</p:sld>
+</file>
+
+<file path=ppt/slides/slide6.xml><?xml version="1.0" encoding="utf-8"?>
+<p:sld xmlns:a="http://schemas.openxmlformats.org/drawingml/2006/main" xmlns:r="http://schemas.openxmlformats.org/officeDocument/2006/relationships" xmlns:p="http://schemas.openxmlformats.org/presentationml/2006/main">
+  <p:cSld>
+    <p:spTree>
+      <p:nvGrpSpPr>
+        <p:cNvPr id="1" name=""/>
+        <p:cNvGrpSpPr/>
+        <p:nvPr/>
+      </p:nvGrpSpPr>
+      <p:grpSpPr>
+        <a:xfrm>
+          <a:off x="0" y="0"/>
+          <a:ext cx="0" cy="0"/>
+          <a:chOff x="0" y="0"/>
+          <a:chExt cx="0" cy="0"/>
+        </a:xfrm>
+      </p:grpSpPr>
+      <p:sp>
+        <p:nvSpPr>
+          <p:cNvPr id="2" name="Title 1">
+            <a:extLst>
+              <a:ext uri="{FF2B5EF4-FFF2-40B4-BE49-F238E27FC236}">
                 <a16:creationId xmlns:a16="http://schemas.microsoft.com/office/drawing/2014/main" id="{80501DC1-4AB4-4958-931F-452B5E41010A}"/>
               </a:ext>
             </a:extLst>
@@ -4706,7 +4870,7 @@
 </p:sld>
 </file>
 
-<file path=ppt/slides/slide6.xml><?xml version="1.0" encoding="utf-8"?>
+<file path=ppt/slides/slide7.xml><?xml version="1.0" encoding="utf-8"?>
 <p:sld xmlns:a="http://schemas.openxmlformats.org/drawingml/2006/main" xmlns:r="http://schemas.openxmlformats.org/officeDocument/2006/relationships" xmlns:p="http://schemas.openxmlformats.org/presentationml/2006/main">
   <p:cSld>
     <p:bg>
@@ -4794,7 +4958,7 @@
 </p:sld>
 </file>
 
-<file path=ppt/slides/slide7.xml><?xml version="1.0" encoding="utf-8"?>
+<file path=ppt/slides/slide8.xml><?xml version="1.0" encoding="utf-8"?>
 <p:sld xmlns:a="http://schemas.openxmlformats.org/drawingml/2006/main" xmlns:r="http://schemas.openxmlformats.org/officeDocument/2006/relationships" xmlns:p="http://schemas.openxmlformats.org/presentationml/2006/main">
   <p:cSld>
     <p:spTree>

--- a/IETF-111/Materials/SideMeetingModerator.pptx
+++ b/IETF-111/Materials/SideMeetingModerator.pptx
@@ -4358,8 +4358,13 @@
             <a:pPr lvl="2"/>
             <a:r>
               <a:rPr lang="en-GB" dirty="0"/>
-              <a:t>The application of additional meaning to IP addresses </a:t>
-            </a:r>
+              <a:t>Routing on IP addresses that have additional meaning assigned </a:t>
+            </a:r>
+            <a:r>
+              <a:rPr lang="en-GB"/>
+              <a:t>to them </a:t>
+            </a:r>
+            <a:endParaRPr lang="en-GB" dirty="0"/>
           </a:p>
           <a:p>
             <a:pPr lvl="2"/>

--- a/IETF-111/Materials/SideMeetingModerator.pptx
+++ b/IETF-111/Materials/SideMeetingModerator.pptx
@@ -268,7 +268,7 @@
           <a:p>
             <a:fld id="{5CCCF42A-2A1B-4126-ACBE-7F3E4422D5B7}" type="datetimeFigureOut">
               <a:rPr lang="en-GB" smtClean="0"/>
-              <a:t>27/07/2021</a:t>
+              <a:t>28/07/2021</a:t>
             </a:fld>
             <a:endParaRPr lang="en-GB"/>
           </a:p>
@@ -468,7 +468,7 @@
           <a:p>
             <a:fld id="{5CCCF42A-2A1B-4126-ACBE-7F3E4422D5B7}" type="datetimeFigureOut">
               <a:rPr lang="en-GB" smtClean="0"/>
-              <a:t>27/07/2021</a:t>
+              <a:t>28/07/2021</a:t>
             </a:fld>
             <a:endParaRPr lang="en-GB"/>
           </a:p>
@@ -678,7 +678,7 @@
           <a:p>
             <a:fld id="{5CCCF42A-2A1B-4126-ACBE-7F3E4422D5B7}" type="datetimeFigureOut">
               <a:rPr lang="en-GB" smtClean="0"/>
-              <a:t>27/07/2021</a:t>
+              <a:t>28/07/2021</a:t>
             </a:fld>
             <a:endParaRPr lang="en-GB"/>
           </a:p>
@@ -878,7 +878,7 @@
           <a:p>
             <a:fld id="{5CCCF42A-2A1B-4126-ACBE-7F3E4422D5B7}" type="datetimeFigureOut">
               <a:rPr lang="en-GB" smtClean="0"/>
-              <a:t>27/07/2021</a:t>
+              <a:t>28/07/2021</a:t>
             </a:fld>
             <a:endParaRPr lang="en-GB"/>
           </a:p>
@@ -1154,7 +1154,7 @@
           <a:p>
             <a:fld id="{5CCCF42A-2A1B-4126-ACBE-7F3E4422D5B7}" type="datetimeFigureOut">
               <a:rPr lang="en-GB" smtClean="0"/>
-              <a:t>27/07/2021</a:t>
+              <a:t>28/07/2021</a:t>
             </a:fld>
             <a:endParaRPr lang="en-GB"/>
           </a:p>
@@ -1422,7 +1422,7 @@
           <a:p>
             <a:fld id="{5CCCF42A-2A1B-4126-ACBE-7F3E4422D5B7}" type="datetimeFigureOut">
               <a:rPr lang="en-GB" smtClean="0"/>
-              <a:t>27/07/2021</a:t>
+              <a:t>28/07/2021</a:t>
             </a:fld>
             <a:endParaRPr lang="en-GB"/>
           </a:p>
@@ -1837,7 +1837,7 @@
           <a:p>
             <a:fld id="{5CCCF42A-2A1B-4126-ACBE-7F3E4422D5B7}" type="datetimeFigureOut">
               <a:rPr lang="en-GB" smtClean="0"/>
-              <a:t>27/07/2021</a:t>
+              <a:t>28/07/2021</a:t>
             </a:fld>
             <a:endParaRPr lang="en-GB"/>
           </a:p>
@@ -1979,7 +1979,7 @@
           <a:p>
             <a:fld id="{5CCCF42A-2A1B-4126-ACBE-7F3E4422D5B7}" type="datetimeFigureOut">
               <a:rPr lang="en-GB" smtClean="0"/>
-              <a:t>27/07/2021</a:t>
+              <a:t>28/07/2021</a:t>
             </a:fld>
             <a:endParaRPr lang="en-GB"/>
           </a:p>
@@ -2092,7 +2092,7 @@
           <a:p>
             <a:fld id="{5CCCF42A-2A1B-4126-ACBE-7F3E4422D5B7}" type="datetimeFigureOut">
               <a:rPr lang="en-GB" smtClean="0"/>
-              <a:t>27/07/2021</a:t>
+              <a:t>28/07/2021</a:t>
             </a:fld>
             <a:endParaRPr lang="en-GB"/>
           </a:p>
@@ -2405,7 +2405,7 @@
           <a:p>
             <a:fld id="{5CCCF42A-2A1B-4126-ACBE-7F3E4422D5B7}" type="datetimeFigureOut">
               <a:rPr lang="en-GB" smtClean="0"/>
-              <a:t>27/07/2021</a:t>
+              <a:t>28/07/2021</a:t>
             </a:fld>
             <a:endParaRPr lang="en-GB"/>
           </a:p>
@@ -2694,7 +2694,7 @@
           <a:p>
             <a:fld id="{5CCCF42A-2A1B-4126-ACBE-7F3E4422D5B7}" type="datetimeFigureOut">
               <a:rPr lang="en-GB" smtClean="0"/>
-              <a:t>27/07/2021</a:t>
+              <a:t>28/07/2021</a:t>
             </a:fld>
             <a:endParaRPr lang="en-GB"/>
           </a:p>
@@ -2937,7 +2937,7 @@
           <a:p>
             <a:fld id="{5CCCF42A-2A1B-4126-ACBE-7F3E4422D5B7}" type="datetimeFigureOut">
               <a:rPr lang="en-GB" smtClean="0"/>
-              <a:t>27/07/2021</a:t>
+              <a:t>28/07/2021</a:t>
             </a:fld>
             <a:endParaRPr lang="en-GB"/>
           </a:p>
@@ -4730,7 +4730,7 @@
             </a:pPr>
             <a:r>
               <a:rPr lang="en-GB" dirty="0"/>
-              <a:t>Revitalizing the Public Internet by Making it Extensible (20 minutes)</a:t>
+              <a:t>The Extensible Internet (20 minutes)</a:t>
             </a:r>
           </a:p>
           <a:p>
@@ -4772,7 +4772,15 @@
             </a:pPr>
             <a:r>
               <a:rPr lang="en-GB" dirty="0"/>
-              <a:t>The Evolution of the Interplanetary Internet (20 minutes)</a:t>
+              <a:t>Routing </a:t>
+            </a:r>
+            <a:r>
+              <a:rPr lang="en-GB"/>
+              <a:t>in an </a:t>
+            </a:r>
+            <a:r>
+              <a:rPr lang="en-GB" dirty="0"/>
+              <a:t>Interplanetary Internet (20 minutes)</a:t>
             </a:r>
           </a:p>
           <a:p>
